--- a/lec/03-viz.pptx
+++ b/lec/03-viz.pptx
@@ -9736,6 +9736,73 @@
           </a:p>
         </p:txBody>
       </p:sp>
+      <p:sp>
+        <p:nvSpPr>
+          <p:cNvPr id="6" name="Google Shape;210;p35">
+            <a:extLst>
+              <a:ext uri="{FF2B5EF4-FFF2-40B4-BE49-F238E27FC236}">
+                <a16:creationId xmlns:a16="http://schemas.microsoft.com/office/drawing/2014/main" id="{A66563C4-73FA-A54E-8F61-B59F9CBC3CF3}"/>
+              </a:ext>
+            </a:extLst>
+          </p:cNvPr>
+          <p:cNvSpPr txBox="1"/>
+          <p:nvPr/>
+        </p:nvSpPr>
+        <p:spPr>
+          <a:xfrm>
+            <a:off x="472800" y="4311184"/>
+            <a:ext cx="9073050" cy="1464352"/>
+          </a:xfrm>
+          <a:prstGeom prst="rect">
+            <a:avLst/>
+          </a:prstGeom>
+          <a:noFill/>
+          <a:ln>
+            <a:noFill/>
+          </a:ln>
+        </p:spPr>
+        <p:txBody>
+          <a:bodyPr spcFirstLastPara="1" wrap="square" lIns="121900" tIns="121900" rIns="121900" bIns="121900" anchor="t" anchorCtr="0">
+            <a:noAutofit/>
+          </a:bodyPr>
+          <a:lstStyle/>
+          <a:p>
+            <a:pPr marL="609585" indent="-507987">
+              <a:buClr>
+                <a:schemeClr val="tx1"/>
+              </a:buClr>
+              <a:buSzPts val="2400"/>
+              <a:buChar char="●"/>
+            </a:pPr>
+            <a:r>
+              <a:rPr lang="en" sz="3200" dirty="0">
+                <a:latin typeface="Helvetica Neue Light" panose="02000403000000020004" pitchFamily="2" charset="0"/>
+                <a:ea typeface="Helvetica Neue Light" panose="02000403000000020004" pitchFamily="2" charset="0"/>
+              </a:rPr>
+              <a:t>What would the y-axis of a histogram of this table be?</a:t>
+            </a:r>
+          </a:p>
+          <a:p>
+            <a:pPr marL="609585" indent="-507987">
+              <a:buClr>
+                <a:schemeClr val="tx1"/>
+              </a:buClr>
+              <a:buSzPts val="2400"/>
+              <a:buChar char="●"/>
+            </a:pPr>
+            <a:r>
+              <a:rPr lang="en-US" sz="3600" dirty="0">
+                <a:latin typeface="Courier" pitchFamily="2" charset="0"/>
+                <a:hlinkClick r:id="rId3"/>
+              </a:rPr>
+              <a:t>http://bit.ly/FoDS-s19-0131-1</a:t>
+            </a:r>
+            <a:endParaRPr sz="3600" dirty="0">
+              <a:latin typeface="Courier" pitchFamily="2" charset="0"/>
+            </a:endParaRPr>
+          </a:p>
+        </p:txBody>
+      </p:sp>
       <p:graphicFrame>
         <p:nvGraphicFramePr>
           <p:cNvPr id="5" name="Google Shape;217;p36">
@@ -9749,7 +9816,7 @@
           <p:nvPr>
             <p:extLst>
               <p:ext uri="{D42A27DB-BD31-4B8C-83A1-F6EECF244321}">
-                <p14:modId xmlns:p14="http://schemas.microsoft.com/office/powerpoint/2010/main" val="771122708"/>
+                <p14:modId xmlns:p14="http://schemas.microsoft.com/office/powerpoint/2010/main" val="998592778"/>
               </p:ext>
             </p:extLst>
           </p:nvPr>
@@ -12703,73 +12770,6 @@
           </a:graphicData>
         </a:graphic>
       </p:graphicFrame>
-      <p:sp>
-        <p:nvSpPr>
-          <p:cNvPr id="6" name="Google Shape;210;p35">
-            <a:extLst>
-              <a:ext uri="{FF2B5EF4-FFF2-40B4-BE49-F238E27FC236}">
-                <a16:creationId xmlns:a16="http://schemas.microsoft.com/office/drawing/2014/main" id="{A66563C4-73FA-A54E-8F61-B59F9CBC3CF3}"/>
-              </a:ext>
-            </a:extLst>
-          </p:cNvPr>
-          <p:cNvSpPr txBox="1"/>
-          <p:nvPr/>
-        </p:nvSpPr>
-        <p:spPr>
-          <a:xfrm>
-            <a:off x="472800" y="4311184"/>
-            <a:ext cx="9073050" cy="1464352"/>
-          </a:xfrm>
-          <a:prstGeom prst="rect">
-            <a:avLst/>
-          </a:prstGeom>
-          <a:noFill/>
-          <a:ln>
-            <a:noFill/>
-          </a:ln>
-        </p:spPr>
-        <p:txBody>
-          <a:bodyPr spcFirstLastPara="1" wrap="square" lIns="121900" tIns="121900" rIns="121900" bIns="121900" anchor="t" anchorCtr="0">
-            <a:noAutofit/>
-          </a:bodyPr>
-          <a:lstStyle/>
-          <a:p>
-            <a:pPr marL="609585" indent="-507987">
-              <a:buClr>
-                <a:schemeClr val="tx1"/>
-              </a:buClr>
-              <a:buSzPts val="2400"/>
-              <a:buChar char="●"/>
-            </a:pPr>
-            <a:r>
-              <a:rPr lang="en" sz="3200" dirty="0">
-                <a:latin typeface="Helvetica Neue Light" panose="02000403000000020004" pitchFamily="2" charset="0"/>
-                <a:ea typeface="Helvetica Neue Light" panose="02000403000000020004" pitchFamily="2" charset="0"/>
-              </a:rPr>
-              <a:t>What would the y-axis of a histogram of this table be?</a:t>
-            </a:r>
-          </a:p>
-          <a:p>
-            <a:pPr marL="609585" indent="-507987">
-              <a:buClr>
-                <a:schemeClr val="tx1"/>
-              </a:buClr>
-              <a:buSzPts val="2400"/>
-              <a:buChar char="●"/>
-            </a:pPr>
-            <a:r>
-              <a:rPr lang="en-US" sz="3600" dirty="0">
-                <a:latin typeface="Courier" pitchFamily="2" charset="0"/>
-                <a:hlinkClick r:id="rId3"/>
-              </a:rPr>
-              <a:t>http://bit.ly/FoDS-s19-0131-1</a:t>
-            </a:r>
-            <a:endParaRPr sz="3600" dirty="0">
-              <a:latin typeface="Courier" pitchFamily="2" charset="0"/>
-            </a:endParaRPr>
-          </a:p>
-        </p:txBody>
-      </p:sp>
     </p:spTree>
     <p:extLst>
       <p:ext uri="{BB962C8B-B14F-4D97-AF65-F5344CB8AC3E}">
